--- a/images/sn-to-sn-match.pptx
+++ b/images/sn-to-sn-match.pptx
@@ -112,14 +112,10 @@
 </p:presentation>
 </file>
 
-<file path=ppt/revisionInfo.xml><?xml version="1.0" encoding="utf-8"?>
-<p1510:revInfo xmlns:a="http://schemas.openxmlformats.org/drawingml/2006/main" xmlns:r="http://schemas.openxmlformats.org/officeDocument/2006/relationships" xmlns:p1510="http://schemas.microsoft.com/office/powerpoint/2015/10/main"/>
-</file>
-
 <file path=ppt/charts/chart1.xml><?xml version="1.0" encoding="utf-8"?>
 <c:chartSpace xmlns:c="http://schemas.openxmlformats.org/drawingml/2006/chart" xmlns:a="http://schemas.openxmlformats.org/drawingml/2006/main" xmlns:r="http://schemas.openxmlformats.org/officeDocument/2006/relationships" xmlns:c16r2="http://schemas.microsoft.com/office/drawing/2015/06/chart">
   <c:date1904 val="0"/>
-  <c:lang val="en-US"/>
+  <c:lang val="zh-CN"/>
   <c:roundedCorners val="0"/>
   <mc:AlternateContent xmlns:mc="http://schemas.openxmlformats.org/markup-compatibility/2006">
     <mc:Choice xmlns:c14="http://schemas.microsoft.com/office/drawing/2007/8/2/chart" Requires="c14">
@@ -359,7 +355,7 @@
                       <a:schemeClr val="tx1"/>
                     </a:solidFill>
                   </a:rPr>
-                  <a:t>Over Similarity Score Intervals</a:t>
+                  <a:t>Overall Similarity Score Intervals</a:t>
                 </a:r>
               </a:p>
             </c:rich>
@@ -386,7 +382,7 @@
                   <a:cs typeface="+mn-cs"/>
                 </a:defRPr>
               </a:pPr>
-              <a:endParaRPr lang="zh-CN"/>
+              <a:endParaRPr lang="en-US"/>
             </a:p>
           </c:txPr>
         </c:title>
@@ -421,7 +417,7 @@
                 <a:cs typeface="+mn-cs"/>
               </a:defRPr>
             </a:pPr>
-            <a:endParaRPr lang="zh-CN"/>
+            <a:endParaRPr lang="en-US"/>
           </a:p>
         </c:txPr>
         <c:crossAx val="459437296"/>
@@ -503,7 +499,7 @@
                   <a:cs typeface="+mn-cs"/>
                 </a:defRPr>
               </a:pPr>
-              <a:endParaRPr lang="zh-CN"/>
+              <a:endParaRPr lang="en-US"/>
             </a:p>
           </c:txPr>
         </c:title>
@@ -532,7 +528,7 @@
                 <a:cs typeface="+mn-cs"/>
               </a:defRPr>
             </a:pPr>
-            <a:endParaRPr lang="zh-CN"/>
+            <a:endParaRPr lang="en-US"/>
           </a:p>
         </c:txPr>
         <c:crossAx val="459436968"/>
@@ -572,7 +568,7 @@
       <a:pPr>
         <a:defRPr/>
       </a:pPr>
-      <a:endParaRPr lang="zh-CN"/>
+      <a:endParaRPr lang="en-US"/>
     </a:p>
   </c:txPr>
   <c:externalData r:id="rId3">
@@ -1275,7 +1271,7 @@
           <a:p>
             <a:fld id="{878E3D5E-7D85-4FED-8C07-AD3A8154CF36}" type="datetimeFigureOut">
               <a:rPr lang="zh-CN" altLang="en-US" smtClean="0"/>
-              <a:t>2017/12/10</a:t>
+              <a:t>2018/12/1</a:t>
             </a:fld>
             <a:endParaRPr lang="zh-CN" altLang="en-US"/>
           </a:p>
@@ -1475,7 +1471,7 @@
           <a:p>
             <a:fld id="{878E3D5E-7D85-4FED-8C07-AD3A8154CF36}" type="datetimeFigureOut">
               <a:rPr lang="zh-CN" altLang="en-US" smtClean="0"/>
-              <a:t>2017/12/10</a:t>
+              <a:t>2018/12/1</a:t>
             </a:fld>
             <a:endParaRPr lang="zh-CN" altLang="en-US"/>
           </a:p>
@@ -1685,7 +1681,7 @@
           <a:p>
             <a:fld id="{878E3D5E-7D85-4FED-8C07-AD3A8154CF36}" type="datetimeFigureOut">
               <a:rPr lang="zh-CN" altLang="en-US" smtClean="0"/>
-              <a:t>2017/12/10</a:t>
+              <a:t>2018/12/1</a:t>
             </a:fld>
             <a:endParaRPr lang="zh-CN" altLang="en-US"/>
           </a:p>
@@ -1945,7 +1941,7 @@
           <a:p>
             <a:fld id="{878E3D5E-7D85-4FED-8C07-AD3A8154CF36}" type="datetimeFigureOut">
               <a:rPr lang="zh-CN" altLang="en-US" smtClean="0"/>
-              <a:t>2017/12/10</a:t>
+              <a:t>2018/12/1</a:t>
             </a:fld>
             <a:endParaRPr lang="zh-CN" altLang="en-US"/>
           </a:p>
@@ -2221,7 +2217,7 @@
           <a:p>
             <a:fld id="{878E3D5E-7D85-4FED-8C07-AD3A8154CF36}" type="datetimeFigureOut">
               <a:rPr lang="zh-CN" altLang="en-US" smtClean="0"/>
-              <a:t>2017/12/10</a:t>
+              <a:t>2018/12/1</a:t>
             </a:fld>
             <a:endParaRPr lang="zh-CN" altLang="en-US"/>
           </a:p>
@@ -2489,7 +2485,7 @@
           <a:p>
             <a:fld id="{878E3D5E-7D85-4FED-8C07-AD3A8154CF36}" type="datetimeFigureOut">
               <a:rPr lang="zh-CN" altLang="en-US" smtClean="0"/>
-              <a:t>2017/12/10</a:t>
+              <a:t>2018/12/1</a:t>
             </a:fld>
             <a:endParaRPr lang="zh-CN" altLang="en-US"/>
           </a:p>
@@ -2904,7 +2900,7 @@
           <a:p>
             <a:fld id="{878E3D5E-7D85-4FED-8C07-AD3A8154CF36}" type="datetimeFigureOut">
               <a:rPr lang="zh-CN" altLang="en-US" smtClean="0"/>
-              <a:t>2017/12/10</a:t>
+              <a:t>2018/12/1</a:t>
             </a:fld>
             <a:endParaRPr lang="zh-CN" altLang="en-US"/>
           </a:p>
@@ -3046,7 +3042,7 @@
           <a:p>
             <a:fld id="{878E3D5E-7D85-4FED-8C07-AD3A8154CF36}" type="datetimeFigureOut">
               <a:rPr lang="zh-CN" altLang="en-US" smtClean="0"/>
-              <a:t>2017/12/10</a:t>
+              <a:t>2018/12/1</a:t>
             </a:fld>
             <a:endParaRPr lang="zh-CN" altLang="en-US"/>
           </a:p>
@@ -3389,7 +3385,7 @@
           <a:p>
             <a:fld id="{878E3D5E-7D85-4FED-8C07-AD3A8154CF36}" type="datetimeFigureOut">
               <a:rPr lang="zh-CN" altLang="en-US" smtClean="0"/>
-              <a:t>2017/12/10</a:t>
+              <a:t>2018/12/1</a:t>
             </a:fld>
             <a:endParaRPr lang="zh-CN" altLang="en-US"/>
           </a:p>
@@ -3678,7 +3674,7 @@
           <a:p>
             <a:fld id="{878E3D5E-7D85-4FED-8C07-AD3A8154CF36}" type="datetimeFigureOut">
               <a:rPr lang="zh-CN" altLang="en-US" smtClean="0"/>
-              <a:t>2017/12/10</a:t>
+              <a:t>2018/12/1</a:t>
             </a:fld>
             <a:endParaRPr lang="zh-CN" altLang="en-US"/>
           </a:p>
@@ -3921,7 +3917,7 @@
           <a:p>
             <a:fld id="{878E3D5E-7D85-4FED-8C07-AD3A8154CF36}" type="datetimeFigureOut">
               <a:rPr lang="zh-CN" altLang="en-US" smtClean="0"/>
-              <a:t>2017/12/10</a:t>
+              <a:t>2018/12/1</a:t>
             </a:fld>
             <a:endParaRPr lang="zh-CN" altLang="en-US"/>
           </a:p>
@@ -4362,7 +4358,7 @@
           <p:nvPr>
             <p:extLst>
               <p:ext uri="{D42A27DB-BD31-4B8C-83A1-F6EECF244321}">
-                <p14:modId xmlns:p14="http://schemas.microsoft.com/office/powerpoint/2010/main" val="1288340272"/>
+                <p14:modId xmlns:p14="http://schemas.microsoft.com/office/powerpoint/2010/main" val="909969732"/>
               </p:ext>
             </p:extLst>
           </p:nvPr>
